--- a/4_presentation/opencampus_presentation.pptx
+++ b/4_presentation/opencampus_presentation.pptx
@@ -208,7 +208,7 @@
           <a:p>
             <a:fld id="{CC607351-B6DD-40D8-80C7-4A41126A6B70}" type="datetimeFigureOut">
               <a:rPr lang="de-DE" smtClean="0"/>
-              <a:t>01.08.2024</a:t>
+              <a:t>02.08.2024</a:t>
             </a:fld>
             <a:endParaRPr lang="de-DE"/>
           </a:p>
@@ -1129,7 +1129,7 @@
           <a:p>
             <a:fld id="{4BDF68E2-58F2-4D09-BE8B-E3BD06533059}" type="datetimeFigureOut">
               <a:rPr lang="en-US" dirty="0"/>
-              <a:t>8/1/2024</a:t>
+              <a:t>8/2/2024</a:t>
             </a:fld>
             <a:endParaRPr lang="en-US" dirty="0"/>
           </a:p>
@@ -1332,7 +1332,7 @@
           <a:p>
             <a:fld id="{2E2D6473-DF6D-4702-B328-E0DD40540A4E}" type="datetimeFigureOut">
               <a:rPr lang="en-US" dirty="0"/>
-              <a:t>8/1/2024</a:t>
+              <a:t>8/2/2024</a:t>
             </a:fld>
             <a:endParaRPr lang="en-US" dirty="0"/>
           </a:p>
@@ -1583,7 +1583,7 @@
           <a:p>
             <a:fld id="{E26F7E3A-B166-407D-9866-32884E7D5B37}" type="datetimeFigureOut">
               <a:rPr lang="en-US" dirty="0"/>
-              <a:t>8/1/2024</a:t>
+              <a:t>8/2/2024</a:t>
             </a:fld>
             <a:endParaRPr lang="en-US" dirty="0"/>
           </a:p>
@@ -1752,7 +1752,7 @@
           <a:p>
             <a:fld id="{528FC5F6-F338-4AE4-BB23-26385BCFC423}" type="datetimeFigureOut">
               <a:rPr lang="en-US" dirty="0"/>
-              <a:t>8/1/2024</a:t>
+              <a:t>8/2/2024</a:t>
             </a:fld>
             <a:endParaRPr lang="en-US" dirty="0"/>
           </a:p>
@@ -2090,7 +2090,7 @@
           <a:p>
             <a:fld id="{20EBB0C4-6273-4C6E-B9BD-2EDC30F1CD52}" type="datetimeFigureOut">
               <a:rPr lang="en-US" dirty="0"/>
-              <a:t>8/1/2024</a:t>
+              <a:t>8/2/2024</a:t>
             </a:fld>
             <a:endParaRPr lang="en-US" dirty="0"/>
           </a:p>
@@ -2360,7 +2360,7 @@
           <a:p>
             <a:fld id="{19AB4D41-86C1-4908-B66A-0B50CEB3BF29}" type="datetimeFigureOut">
               <a:rPr lang="en-US" dirty="0"/>
-              <a:t>8/1/2024</a:t>
+              <a:t>8/2/2024</a:t>
             </a:fld>
             <a:endParaRPr lang="en-US" dirty="0"/>
           </a:p>
@@ -2734,7 +2734,7 @@
           <a:p>
             <a:fld id="{E6426E2C-56C1-4E0D-A793-0088A7FDD37E}" type="datetimeFigureOut">
               <a:rPr lang="en-US" dirty="0"/>
-              <a:t>8/1/2024</a:t>
+              <a:t>8/2/2024</a:t>
             </a:fld>
             <a:endParaRPr lang="en-US" dirty="0"/>
           </a:p>
@@ -2847,7 +2847,7 @@
           <a:p>
             <a:fld id="{C8C39B41-D8B5-4052-B551-9B5525EAA8B6}" type="datetimeFigureOut">
               <a:rPr lang="en-US" dirty="0"/>
-              <a:t>8/1/2024</a:t>
+              <a:t>8/2/2024</a:t>
             </a:fld>
             <a:endParaRPr lang="en-US" dirty="0"/>
           </a:p>
@@ -3013,7 +3013,7 @@
           <a:p>
             <a:fld id="{4D94136C-8742-45B2-AF27-D93DF72833A9}" type="datetimeFigureOut">
               <a:rPr lang="en-US" dirty="0"/>
-              <a:t>8/1/2024</a:t>
+              <a:t>8/2/2024</a:t>
             </a:fld>
             <a:endParaRPr lang="en-US" dirty="0"/>
           </a:p>
@@ -3363,7 +3363,7 @@
           <a:p>
             <a:fld id="{32ABBEA6-7C60-4B02-AE87-00D78D8422AF}" type="datetimeFigureOut">
               <a:rPr lang="en-US" dirty="0"/>
-              <a:t>8/1/2024</a:t>
+              <a:t>8/2/2024</a:t>
             </a:fld>
             <a:endParaRPr lang="en-US" dirty="0"/>
           </a:p>
@@ -3741,7 +3741,7 @@
           <a:p>
             <a:fld id="{C9CAD897-D46E-4AD2-BD9B-49DD3E640873}" type="datetimeFigureOut">
               <a:rPr lang="en-US" dirty="0"/>
-              <a:t>8/1/2024</a:t>
+              <a:t>8/2/2024</a:t>
             </a:fld>
             <a:endParaRPr lang="en-US" dirty="0"/>
           </a:p>
@@ -4023,7 +4023,7 @@
           <a:p>
             <a:fld id="{98624D31-43A5-475A-80CF-332C9F6DCF35}" type="datetimeFigureOut">
               <a:rPr lang="en-US" dirty="0"/>
-              <a:t>8/1/2024</a:t>
+              <a:t>8/2/2024</a:t>
             </a:fld>
             <a:endParaRPr lang="en-US" dirty="0"/>
           </a:p>
@@ -5151,13 +5151,7 @@
           <a:p>
             <a:r>
               <a:rPr lang="en-US" sz="1600" dirty="0"/>
-              <a:t>"Deep Learning with Convolutional Neural Networks for EEG Decoding and Visualization" by Yann LeCun et al. (2015)</a:t>
-            </a:r>
-          </a:p>
-          <a:p>
-            <a:r>
-              <a:rPr lang="en-US" sz="1600" dirty="0"/>
-              <a:t>"Deep learning with convolutional neural networks applied to EEG decoding and visualization" by A. </a:t>
+              <a:t>"Deep learning with convolutional neural networks applied to EEG decoding and visualization" by R. T. </a:t>
             </a:r>
             <a:r>
               <a:rPr lang="en-US" sz="1600" dirty="0" err="1"/>
@@ -5171,58 +5165,21 @@
           <a:p>
             <a:r>
               <a:rPr lang="en-US" sz="1600" dirty="0"/>
-              <a:t>"A Recurrent Neural Network Approach for Classification of EEG Based Motor Imagery Signals" by Alaa M. M. Anwar et al. (2018)</a:t>
+              <a:t>"Classification of Electroencephalogram Signals Using LSTM and SVM Based on Fast Walsh-Hadamard Transform" by Saeed Mohsen et al. (2022)</a:t>
             </a:r>
           </a:p>
           <a:p>
             <a:r>
               <a:rPr lang="en-US" sz="1600" dirty="0"/>
-              <a:t>"Classification of EEG signals using LSTM network" by Rajesh Kumar et al. (2018)</a:t>
-            </a:r>
-          </a:p>
-          <a:p>
+              <a:t>"Deep belief networks for electroencephalography: A review of recent contributions and future outlooks" by Faezeh </a:t>
+            </a:r>
+            <a:r>
+              <a:rPr lang="en-US" sz="1600" dirty="0" err="1"/>
+              <a:t>Movahedi</a:t>
+            </a:r>
             <a:r>
               <a:rPr lang="en-US" sz="1600" dirty="0"/>
-              <a:t>"EEG-based intention recognition from unstructured thoughts via deep belief network" by Wei Yang et al. (2015)</a:t>
-            </a:r>
-            <a:endParaRPr lang="de-DE" sz="1600" dirty="0"/>
-          </a:p>
-        </p:txBody>
-      </p:sp>
-      <p:sp>
-        <p:nvSpPr>
-          <p:cNvPr id="4" name="Content Placeholder 3">
-            <a:extLst>
-              <a:ext uri="{FF2B5EF4-FFF2-40B4-BE49-F238E27FC236}">
-                <a16:creationId xmlns:a16="http://schemas.microsoft.com/office/drawing/2014/main" id="{25DEB55B-2EC5-FCDC-3455-6F6336E1AC6B}"/>
-              </a:ext>
-            </a:extLst>
-          </p:cNvPr>
-          <p:cNvSpPr>
-            <a:spLocks noGrp="1"/>
-          </p:cNvSpPr>
-          <p:nvPr>
-            <p:ph sz="half" idx="2"/>
-          </p:nvPr>
-        </p:nvSpPr>
-        <p:spPr/>
-        <p:txBody>
-          <a:bodyPr>
-            <a:normAutofit/>
-          </a:bodyPr>
-          <a:lstStyle/>
-          <a:p>
-            <a:r>
-              <a:rPr lang="en-US" sz="1600" dirty="0"/>
-              <a:t>"Sparse autoencoder-based feature learning for EEG classification" by Kun-</a:t>
-            </a:r>
-            <a:r>
-              <a:rPr lang="en-US" sz="1600" dirty="0" err="1"/>
-              <a:t>Hsing</a:t>
-            </a:r>
-            <a:r>
-              <a:rPr lang="en-US" sz="1600" dirty="0"/>
-              <a:t> Yu et al. (2018)</a:t>
+              <a:t> et al. (2017)</a:t>
             </a:r>
           </a:p>
           <a:p>
@@ -5391,7 +5348,7 @@
             </a:r>
             <a:r>
               <a:rPr lang="de-DE" dirty="0"/>
-              <a:t> Hou et al (2020))</a:t>
+              <a:t> Hou et al. (2020))</a:t>
             </a:r>
           </a:p>
           <a:p>
@@ -5433,7 +5390,7 @@
             </a:r>
             <a:r>
               <a:rPr lang="de-DE" dirty="0"/>
-              <a:t> Hou et al (2020))</a:t>
+              <a:t> Hou et al. (2020))</a:t>
             </a:r>
           </a:p>
           <a:p>
@@ -5483,7 +5440,7 @@
             </a:r>
             <a:r>
               <a:rPr lang="de-DE" dirty="0"/>
-              <a:t> Hou et al (2020))</a:t>
+              <a:t> Hou et al. (2020))</a:t>
             </a:r>
           </a:p>
           <a:p>
@@ -5499,15 +5456,7 @@
             </a:pPr>
             <a:r>
               <a:rPr lang="de-DE" dirty="0"/>
-              <a:t>CNN (A. Schirrmeister et al. (2017), Yann </a:t>
-            </a:r>
-            <a:r>
-              <a:rPr lang="de-DE" dirty="0" err="1"/>
-              <a:t>LeCun</a:t>
-            </a:r>
-            <a:r>
-              <a:rPr lang="de-DE" dirty="0"/>
-              <a:t> et al. (2015))</a:t>
+              <a:t>CNN (R. T. Schirrmeister et al. (2017)) </a:t>
             </a:r>
           </a:p>
           <a:p>
@@ -5517,15 +5466,7 @@
             </a:pPr>
             <a:r>
               <a:rPr lang="de-DE" dirty="0"/>
-              <a:t>LSTM (Alaa M. M. </a:t>
-            </a:r>
-            <a:r>
-              <a:rPr lang="de-DE" dirty="0" err="1"/>
-              <a:t>Anwar</a:t>
-            </a:r>
-            <a:r>
-              <a:rPr lang="de-DE" dirty="0"/>
-              <a:t> et al. (2018))</a:t>
+              <a:t>LSTM (Saeed Mohsen et al. (2022))</a:t>
             </a:r>
           </a:p>
           <a:p>
@@ -5535,41 +5476,23 @@
             </a:pPr>
             <a:r>
               <a:rPr lang="de-DE" dirty="0"/>
-              <a:t>RNN (</a:t>
-            </a:r>
-            <a:r>
-              <a:rPr lang="de-DE" dirty="0" err="1"/>
-              <a:t>Rajesh</a:t>
-            </a:r>
-            <a:r>
-              <a:rPr lang="de-DE" dirty="0"/>
-              <a:t> Kumar et al. (2018))</a:t>
-            </a:r>
-          </a:p>
-          <a:p>
-            <a:pPr>
-              <a:buFont typeface="Arial" panose="020B0604020202020204" pitchFamily="34" charset="0"/>
-              <a:buChar char="•"/>
-            </a:pPr>
-            <a:r>
-              <a:rPr lang="de-DE" dirty="0"/>
-              <a:t>DBN (Wei Yang et al. (2015), Kun-</a:t>
-            </a:r>
-            <a:r>
-              <a:rPr lang="de-DE" dirty="0" err="1"/>
-              <a:t>Hsing</a:t>
-            </a:r>
-            <a:r>
-              <a:rPr lang="de-DE" dirty="0"/>
+              <a:t>DBN (</a:t>
+            </a:r>
+            <a:r>
+              <a:rPr lang="en-US" sz="2000" dirty="0"/>
+              <a:t>Faezeh </a:t>
+            </a:r>
+            <a:r>
+              <a:rPr lang="en-US" sz="2000" dirty="0" err="1"/>
+              <a:t>Movahedi</a:t>
+            </a:r>
+            <a:r>
+              <a:rPr lang="en-US" sz="2000" dirty="0"/>
               <a:t> </a:t>
             </a:r>
             <a:r>
-              <a:rPr lang="de-DE" dirty="0" err="1"/>
-              <a:t>Yu</a:t>
-            </a:r>
-            <a:r>
-              <a:rPr lang="de-DE" dirty="0"/>
-              <a:t> et al. (2018))</a:t>
+              <a:rPr lang="de-DE" dirty="0"/>
+              <a:t>et al. (2017)</a:t>
             </a:r>
           </a:p>
           <a:p>
